--- a/24_php1/introProgramacion.pptx
+++ b/24_php1/introProgramacion.pptx
@@ -7043,10 +7043,10 @@
               <a:buNone/>
             </a:pPr>
             <a:r>
-              <a:rPr lang="es-419"/>
+              <a:rPr lang="es-419" dirty="0"/>
               <a:t>Introducción a la programación</a:t>
             </a:r>
-            <a:endParaRPr/>
+            <a:endParaRPr dirty="0"/>
           </a:p>
         </p:txBody>
       </p:sp>
@@ -9300,7 +9300,7 @@
               <a:buNone/>
             </a:pPr>
             <a:r>
-              <a:rPr lang="es-419" sz="1800" b="1">
+              <a:rPr lang="es-419" sz="1800" b="1" dirty="0">
                 <a:solidFill>
                   <a:srgbClr val="000000"/>
                 </a:solidFill>
@@ -9311,7 +9311,7 @@
               </a:rPr>
               <a:t>ALGORITMOS - VARIABLES - TIPOS</a:t>
             </a:r>
-            <a:endParaRPr sz="1800" b="1">
+            <a:endParaRPr sz="1800" b="1" dirty="0">
               <a:solidFill>
                 <a:srgbClr val="000000"/>
               </a:solidFill>
@@ -9335,7 +9335,7 @@
               <a:buNone/>
             </a:pPr>
             <a:r>
-              <a:rPr lang="es-419" sz="1400">
+              <a:rPr lang="es-419" sz="1400" dirty="0">
                 <a:solidFill>
                   <a:srgbClr val="000000"/>
                 </a:solidFill>
@@ -9346,7 +9346,7 @@
               </a:rPr>
               <a:t>Cuando programamos las variables tienen un tipo (que podemos poner dentro de las mismas)</a:t>
             </a:r>
-            <a:endParaRPr sz="1400">
+            <a:endParaRPr sz="1400" dirty="0">
               <a:solidFill>
                 <a:srgbClr val="000000"/>
               </a:solidFill>
@@ -9370,7 +9370,7 @@
               <a:buNone/>
             </a:pPr>
             <a:r>
-              <a:rPr lang="es-419" sz="1400">
+              <a:rPr lang="es-419" sz="1400" dirty="0">
                 <a:solidFill>
                   <a:srgbClr val="000000"/>
                 </a:solidFill>
@@ -9381,7 +9381,7 @@
               </a:rPr>
               <a:t>Los tipos más habituales son:</a:t>
             </a:r>
-            <a:endParaRPr sz="1400">
+            <a:endParaRPr sz="1400" dirty="0">
               <a:solidFill>
                 <a:srgbClr val="000000"/>
               </a:solidFill>
@@ -9410,7 +9410,7 @@
               <a:buChar char="●"/>
             </a:pPr>
             <a:r>
-              <a:rPr lang="es-419" sz="1400">
+              <a:rPr lang="es-419" sz="1400" dirty="0">
                 <a:solidFill>
                   <a:srgbClr val="000000"/>
                 </a:solidFill>
@@ -9422,7 +9422,7 @@
               <a:t>Cadena (</a:t>
             </a:r>
             <a:r>
-              <a:rPr lang="es-419" sz="1400" b="1">
+              <a:rPr lang="es-419" sz="1400" b="1" dirty="0" err="1">
                 <a:solidFill>
                   <a:srgbClr val="000000"/>
                 </a:solidFill>
@@ -9434,7 +9434,7 @@
               <a:t>String</a:t>
             </a:r>
             <a:r>
-              <a:rPr lang="es-419" sz="1400">
+              <a:rPr lang="es-419" sz="1400" dirty="0">
                 <a:solidFill>
                   <a:srgbClr val="000000"/>
                 </a:solidFill>
@@ -9445,7 +9445,7 @@
               </a:rPr>
               <a:t>): es un texto</a:t>
             </a:r>
-            <a:endParaRPr sz="1400">
+            <a:endParaRPr sz="1400" dirty="0">
               <a:solidFill>
                 <a:srgbClr val="000000"/>
               </a:solidFill>
@@ -9474,7 +9474,7 @@
               <a:buChar char="●"/>
             </a:pPr>
             <a:r>
-              <a:rPr lang="es-419" sz="1400">
+              <a:rPr lang="es-419" sz="1400" dirty="0">
                 <a:solidFill>
                   <a:srgbClr val="000000"/>
                 </a:solidFill>
@@ -9486,7 +9486,7 @@
               <a:t>Número entero (</a:t>
             </a:r>
             <a:r>
-              <a:rPr lang="es-419" sz="1400" b="1">
+              <a:rPr lang="es-419" sz="1400" b="1" dirty="0" err="1">
                 <a:solidFill>
                   <a:srgbClr val="000000"/>
                 </a:solidFill>
@@ -9498,7 +9498,7 @@
               <a:t>Integer</a:t>
             </a:r>
             <a:r>
-              <a:rPr lang="es-419" sz="1400">
+              <a:rPr lang="es-419" sz="1400" dirty="0">
                 <a:solidFill>
                   <a:srgbClr val="000000"/>
                 </a:solidFill>
@@ -9509,7 +9509,7 @@
               </a:rPr>
               <a:t>): es un número sin decimales</a:t>
             </a:r>
-            <a:endParaRPr sz="1400">
+            <a:endParaRPr sz="1400" dirty="0">
               <a:solidFill>
                 <a:srgbClr val="000000"/>
               </a:solidFill>
@@ -9538,7 +9538,7 @@
               <a:buChar char="●"/>
             </a:pPr>
             <a:r>
-              <a:rPr lang="es-419" sz="1400">
+              <a:rPr lang="es-419" sz="1400" dirty="0">
                 <a:solidFill>
                   <a:srgbClr val="000000"/>
                 </a:solidFill>
@@ -9550,7 +9550,7 @@
               <a:t>Número decimal (</a:t>
             </a:r>
             <a:r>
-              <a:rPr lang="es-419" sz="1400" b="1">
+              <a:rPr lang="es-419" sz="1400" b="1" dirty="0" err="1">
                 <a:solidFill>
                   <a:srgbClr val="000000"/>
                 </a:solidFill>
@@ -9559,10 +9559,34 @@
                 <a:cs typeface="Arial"/>
                 <a:sym typeface="Arial"/>
               </a:rPr>
-              <a:t>Double / Float</a:t>
+              <a:t>Double</a:t>
             </a:r>
             <a:r>
-              <a:rPr lang="es-419" sz="1400">
+              <a:rPr lang="es-419" sz="1400" b="1" dirty="0">
+                <a:solidFill>
+                  <a:srgbClr val="000000"/>
+                </a:solidFill>
+                <a:latin typeface="Arial"/>
+                <a:ea typeface="Arial"/>
+                <a:cs typeface="Arial"/>
+                <a:sym typeface="Arial"/>
+              </a:rPr>
+              <a:t> / </a:t>
+            </a:r>
+            <a:r>
+              <a:rPr lang="es-419" sz="1400" b="1" dirty="0" err="1">
+                <a:solidFill>
+                  <a:srgbClr val="000000"/>
+                </a:solidFill>
+                <a:latin typeface="Arial"/>
+                <a:ea typeface="Arial"/>
+                <a:cs typeface="Arial"/>
+                <a:sym typeface="Arial"/>
+              </a:rPr>
+              <a:t>Float</a:t>
+            </a:r>
+            <a:r>
+              <a:rPr lang="es-419" sz="1400" dirty="0">
                 <a:solidFill>
                   <a:srgbClr val="000000"/>
                 </a:solidFill>
@@ -9573,7 +9597,7 @@
               </a:rPr>
               <a:t>): es un número con decimales</a:t>
             </a:r>
-            <a:endParaRPr sz="1400">
+            <a:endParaRPr sz="1400" dirty="0">
               <a:solidFill>
                 <a:srgbClr val="000000"/>
               </a:solidFill>
@@ -9602,7 +9626,7 @@
               <a:buChar char="●"/>
             </a:pPr>
             <a:r>
-              <a:rPr lang="es-419" sz="1400">
+              <a:rPr lang="es-419" sz="1400" dirty="0">
                 <a:solidFill>
                   <a:srgbClr val="000000"/>
                 </a:solidFill>
@@ -9611,10 +9635,34 @@
                 <a:cs typeface="Arial"/>
                 <a:sym typeface="Arial"/>
               </a:rPr>
-              <a:t>Verdadero/Falso (Boolean): solo puede contener Verdadero (</a:t>
+              <a:t>Verdadero/Falso (</a:t>
             </a:r>
             <a:r>
-              <a:rPr lang="es-419" sz="1400" b="1">
+              <a:rPr lang="es-419" sz="1400" dirty="0" err="1">
+                <a:solidFill>
+                  <a:srgbClr val="000000"/>
+                </a:solidFill>
+                <a:latin typeface="Arial"/>
+                <a:ea typeface="Arial"/>
+                <a:cs typeface="Arial"/>
+                <a:sym typeface="Arial"/>
+              </a:rPr>
+              <a:t>Boolean</a:t>
+            </a:r>
+            <a:r>
+              <a:rPr lang="es-419" sz="1400" dirty="0">
+                <a:solidFill>
+                  <a:srgbClr val="000000"/>
+                </a:solidFill>
+                <a:latin typeface="Arial"/>
+                <a:ea typeface="Arial"/>
+                <a:cs typeface="Arial"/>
+                <a:sym typeface="Arial"/>
+              </a:rPr>
+              <a:t>): solo puede contener Verdadero (</a:t>
+            </a:r>
+            <a:r>
+              <a:rPr lang="es-419" sz="1400" b="1" dirty="0">
                 <a:solidFill>
                   <a:srgbClr val="000000"/>
                 </a:solidFill>
@@ -9626,7 +9674,7 @@
               <a:t>True</a:t>
             </a:r>
             <a:r>
-              <a:rPr lang="es-419" sz="1400">
+              <a:rPr lang="es-419" sz="1400" dirty="0">
                 <a:solidFill>
                   <a:srgbClr val="000000"/>
                 </a:solidFill>
@@ -9638,7 +9686,7 @@
               <a:t>) </a:t>
             </a:r>
             <a:br>
-              <a:rPr lang="es-419" sz="1400">
+              <a:rPr lang="es-419" sz="1400" dirty="0">
                 <a:solidFill>
                   <a:srgbClr val="000000"/>
                 </a:solidFill>
@@ -9649,7 +9697,7 @@
               </a:rPr>
             </a:br>
             <a:r>
-              <a:rPr lang="es-419" sz="1400">
+              <a:rPr lang="es-419" sz="1400" dirty="0">
                 <a:solidFill>
                   <a:srgbClr val="000000"/>
                 </a:solidFill>
@@ -9661,7 +9709,7 @@
               <a:t>o Falso (</a:t>
             </a:r>
             <a:r>
-              <a:rPr lang="es-419" sz="1400" b="1">
+              <a:rPr lang="es-419" sz="1400" b="1" dirty="0">
                 <a:solidFill>
                   <a:srgbClr val="000000"/>
                 </a:solidFill>
@@ -9673,7 +9721,7 @@
               <a:t>False</a:t>
             </a:r>
             <a:r>
-              <a:rPr lang="es-419" sz="1400">
+              <a:rPr lang="es-419" sz="1400" dirty="0">
                 <a:solidFill>
                   <a:srgbClr val="000000"/>
                 </a:solidFill>
@@ -9684,7 +9732,7 @@
               </a:rPr>
               <a:t>)</a:t>
             </a:r>
-            <a:endParaRPr sz="1800" b="1">
+            <a:endParaRPr sz="1800" b="1" dirty="0">
               <a:solidFill>
                 <a:srgbClr val="000000"/>
               </a:solidFill>
@@ -11884,9 +11932,154 @@
                 <a:cs typeface="Arial"/>
                 <a:sym typeface="Arial"/>
               </a:rPr>
-              <a:t>Juan, Pedro, Enrique -&gt; (array o vector o arreglo)</a:t>
+              <a:t>"Juan, Pedro, Enrique” -</a:t>
             </a:r>
-            <a:endParaRPr sz="1800" b="1" dirty="0">
+            <a:r>
+              <a:rPr lang="en-GB" sz="1400" dirty="0">
+                <a:solidFill>
+                  <a:srgbClr val="000000"/>
+                </a:solidFill>
+                <a:latin typeface="Arial"/>
+                <a:ea typeface="Arial"/>
+                <a:cs typeface="Arial"/>
+                <a:sym typeface="Arial"/>
+              </a:rPr>
+              <a:t>&gt; </a:t>
+            </a:r>
+            <a:r>
+              <a:rPr lang="en-GB" sz="1400" dirty="0" err="1">
+                <a:solidFill>
+                  <a:srgbClr val="000000"/>
+                </a:solidFill>
+                <a:latin typeface="Arial"/>
+                <a:ea typeface="Arial"/>
+                <a:cs typeface="Arial"/>
+                <a:sym typeface="Arial"/>
+              </a:rPr>
+              <a:t>valor</a:t>
+            </a:r>
+            <a:endParaRPr lang="en-GB" sz="1400" dirty="0">
+              <a:solidFill>
+                <a:srgbClr val="000000"/>
+              </a:solidFill>
+              <a:latin typeface="Arial"/>
+              <a:ea typeface="Arial"/>
+              <a:cs typeface="Arial"/>
+              <a:sym typeface="Arial"/>
+            </a:endParaRPr>
+          </a:p>
+          <a:p>
+            <a:pPr marL="457200" marR="50800" lvl="0" indent="-317500" algn="l" rtl="0">
+              <a:lnSpc>
+                <a:spcPct val="100000"/>
+              </a:lnSpc>
+              <a:spcBef>
+                <a:spcPts val="0"/>
+              </a:spcBef>
+              <a:spcAft>
+                <a:spcPts val="0"/>
+              </a:spcAft>
+              <a:buClr>
+                <a:srgbClr val="000000"/>
+              </a:buClr>
+              <a:buSzPts val="1400"/>
+              <a:buFont typeface="Arial"/>
+              <a:buAutoNum type="arabicPeriod"/>
+            </a:pPr>
+            <a:r>
+              <a:rPr lang="es-MX" sz="1800" b="1" dirty="0">
+                <a:solidFill>
+                  <a:srgbClr val="000000"/>
+                </a:solidFill>
+                <a:latin typeface="Arial"/>
+                <a:ea typeface="Arial"/>
+                <a:cs typeface="Arial"/>
+                <a:sym typeface="Arial"/>
+              </a:rPr>
+              <a:t>Juan, Pedro, Enrique -&gt; JS -&gt; 3 variables</a:t>
+            </a:r>
+          </a:p>
+          <a:p>
+            <a:pPr marR="50800" indent="-317500">
+              <a:lnSpc>
+                <a:spcPct val="100000"/>
+              </a:lnSpc>
+              <a:buClr>
+                <a:srgbClr val="000000"/>
+              </a:buClr>
+              <a:buSzPts val="1400"/>
+              <a:buFont typeface="Arial"/>
+              <a:buAutoNum type="arabicPeriod"/>
+            </a:pPr>
+            <a:r>
+              <a:rPr lang="es-419" sz="1800" dirty="0">
+                <a:solidFill>
+                  <a:srgbClr val="000000"/>
+                </a:solidFill>
+                <a:latin typeface="Arial"/>
+                <a:ea typeface="Arial"/>
+                <a:cs typeface="Arial"/>
+                <a:sym typeface="Arial"/>
+              </a:rPr>
+              <a:t>"Juan, Pedro, Enrique” -&gt; array -&gt; vector, colección de valores, variable con mas de 1 valor</a:t>
+            </a:r>
+            <a:endParaRPr lang="es-419" sz="2400" b="1" dirty="0">
+              <a:solidFill>
+                <a:srgbClr val="000000"/>
+              </a:solidFill>
+              <a:latin typeface="Arial"/>
+              <a:ea typeface="Arial"/>
+              <a:cs typeface="Arial"/>
+              <a:sym typeface="Arial"/>
+            </a:endParaRPr>
+          </a:p>
+          <a:p>
+            <a:pPr marL="457200" marR="50800" lvl="0" indent="-317500" algn="l" rtl="0">
+              <a:lnSpc>
+                <a:spcPct val="100000"/>
+              </a:lnSpc>
+              <a:spcBef>
+                <a:spcPts val="0"/>
+              </a:spcBef>
+              <a:spcAft>
+                <a:spcPts val="0"/>
+              </a:spcAft>
+              <a:buClr>
+                <a:srgbClr val="000000"/>
+              </a:buClr>
+              <a:buSzPts val="1400"/>
+              <a:buFont typeface="Arial"/>
+              <a:buAutoNum type="arabicPeriod"/>
+            </a:pPr>
+            <a:endParaRPr lang="es-MX" sz="1800" b="1" dirty="0">
+              <a:solidFill>
+                <a:srgbClr val="000000"/>
+              </a:solidFill>
+              <a:latin typeface="Arial"/>
+              <a:ea typeface="Arial"/>
+              <a:cs typeface="Arial"/>
+              <a:sym typeface="Arial"/>
+            </a:endParaRPr>
+          </a:p>
+          <a:p>
+            <a:pPr marL="457200" marR="50800" lvl="0" indent="-317500" algn="l" rtl="0">
+              <a:lnSpc>
+                <a:spcPct val="100000"/>
+              </a:lnSpc>
+              <a:spcBef>
+                <a:spcPts val="0"/>
+              </a:spcBef>
+              <a:spcAft>
+                <a:spcPts val="0"/>
+              </a:spcAft>
+              <a:buClr>
+                <a:srgbClr val="000000"/>
+              </a:buClr>
+              <a:buSzPts val="1400"/>
+              <a:buFont typeface="Arial"/>
+              <a:buAutoNum type="arabicPeriod"/>
+            </a:pPr>
+            <a:endParaRPr lang="es-MX" sz="1800" b="1" dirty="0">
               <a:solidFill>
                 <a:srgbClr val="000000"/>
               </a:solidFill>
@@ -12003,7 +12196,7 @@
               <a:buNone/>
             </a:pPr>
             <a:r>
-              <a:rPr lang="es-419" sz="1800" b="1">
+              <a:rPr lang="es-419" sz="1800" b="1" dirty="0">
                 <a:solidFill>
                   <a:srgbClr val="000000"/>
                 </a:solidFill>
@@ -12014,7 +12207,7 @@
               </a:rPr>
               <a:t>ALGORITMOS</a:t>
             </a:r>
-            <a:endParaRPr sz="1800" b="1">
+            <a:endParaRPr sz="1800" b="1" dirty="0">
               <a:solidFill>
                 <a:srgbClr val="000000"/>
               </a:solidFill>
@@ -12038,7 +12231,7 @@
               <a:buNone/>
             </a:pPr>
             <a:r>
-              <a:rPr lang="es-419" sz="1400">
+              <a:rPr lang="es-419" sz="1400" dirty="0">
                 <a:solidFill>
                   <a:srgbClr val="000000"/>
                 </a:solidFill>
@@ -12049,7 +12242,7 @@
               </a:rPr>
               <a:t>Conjunto ordenado de operaciones sistemáticas que permite hacer un cálculo y hallar la solución de un tipo de problemas.</a:t>
             </a:r>
-            <a:endParaRPr sz="1400">
+            <a:endParaRPr sz="1400" dirty="0">
               <a:solidFill>
                 <a:srgbClr val="000000"/>
               </a:solidFill>
@@ -12072,7 +12265,7 @@
               </a:spcAft>
               <a:buNone/>
             </a:pPr>
-            <a:endParaRPr sz="1400">
+            <a:endParaRPr sz="1400" dirty="0">
               <a:solidFill>
                 <a:srgbClr val="000000"/>
               </a:solidFill>
@@ -12095,7 +12288,7 @@
               </a:spcAft>
               <a:buNone/>
             </a:pPr>
-            <a:endParaRPr sz="1800" b="1">
+            <a:endParaRPr sz="1800" b="1" dirty="0">
               <a:solidFill>
                 <a:srgbClr val="000000"/>
               </a:solidFill>
@@ -12118,7 +12311,7 @@
               </a:spcAft>
               <a:buNone/>
             </a:pPr>
-            <a:endParaRPr sz="1800" b="1">
+            <a:endParaRPr sz="1800" b="1" dirty="0">
               <a:solidFill>
                 <a:srgbClr val="000000"/>
               </a:solidFill>
@@ -12235,7 +12428,7 @@
               <a:buNone/>
             </a:pPr>
             <a:r>
-              <a:rPr lang="es-419" sz="1800" b="1">
+              <a:rPr lang="es-419" sz="1800" b="1" dirty="0">
                 <a:solidFill>
                   <a:srgbClr val="000000"/>
                 </a:solidFill>
@@ -12246,7 +12439,7 @@
               </a:rPr>
               <a:t>ALGORITMOS - EJEMPLOS</a:t>
             </a:r>
-            <a:endParaRPr sz="1800" b="1">
+            <a:endParaRPr sz="1800" b="1" dirty="0">
               <a:solidFill>
                 <a:srgbClr val="000000"/>
               </a:solidFill>
@@ -12275,7 +12468,7 @@
               <a:buChar char="●"/>
             </a:pPr>
             <a:r>
-              <a:rPr lang="es-419" sz="1400">
+              <a:rPr lang="es-419" sz="1400" dirty="0">
                 <a:solidFill>
                   <a:srgbClr val="000000"/>
                 </a:solidFill>
@@ -12286,7 +12479,7 @@
               </a:rPr>
               <a:t>Inscribirse en este curso</a:t>
             </a:r>
-            <a:endParaRPr sz="1400">
+            <a:endParaRPr sz="1400" dirty="0">
               <a:solidFill>
                 <a:srgbClr val="000000"/>
               </a:solidFill>
@@ -12315,7 +12508,7 @@
               <a:buChar char="●"/>
             </a:pPr>
             <a:r>
-              <a:rPr lang="es-419" sz="1400">
+              <a:rPr lang="es-419" sz="1400" dirty="0">
                 <a:solidFill>
                   <a:srgbClr val="000000"/>
                 </a:solidFill>
@@ -12326,7 +12519,7 @@
               </a:rPr>
               <a:t>Manejar un vehículo</a:t>
             </a:r>
-            <a:endParaRPr sz="1400">
+            <a:endParaRPr sz="1400" dirty="0">
               <a:solidFill>
                 <a:srgbClr val="000000"/>
               </a:solidFill>
@@ -12355,7 +12548,7 @@
               <a:buChar char="●"/>
             </a:pPr>
             <a:r>
-              <a:rPr lang="es-419" sz="1400">
+              <a:rPr lang="es-419" sz="1400" dirty="0">
                 <a:solidFill>
                   <a:srgbClr val="000000"/>
                 </a:solidFill>
@@ -12366,7 +12559,7 @@
               </a:rPr>
               <a:t>Receta de cocina</a:t>
             </a:r>
-            <a:endParaRPr sz="1400">
+            <a:endParaRPr sz="1400" dirty="0">
               <a:solidFill>
                 <a:srgbClr val="000000"/>
               </a:solidFill>
@@ -12395,7 +12588,7 @@
               <a:buChar char="●"/>
             </a:pPr>
             <a:r>
-              <a:rPr lang="es-419" sz="1400" b="1">
+              <a:rPr lang="es-419" sz="1400" b="1" dirty="0">
                 <a:solidFill>
                   <a:srgbClr val="FF9900"/>
                 </a:solidFill>
@@ -12407,7 +12600,7 @@
               <a:t>SIEMPRE BUSQUEMOS REALIZARLO DE LA MANERA MÁS </a:t>
             </a:r>
             <a:br>
-              <a:rPr lang="es-419" sz="1400" b="1">
+              <a:rPr lang="es-419" sz="1400" b="1" dirty="0">
                 <a:solidFill>
                   <a:srgbClr val="FF9900"/>
                 </a:solidFill>
@@ -12418,7 +12611,7 @@
               </a:rPr>
             </a:br>
             <a:r>
-              <a:rPr lang="es-419" sz="1400" b="1">
+              <a:rPr lang="es-419" sz="1400" b="1" dirty="0">
                 <a:solidFill>
                   <a:srgbClr val="FF9900"/>
                 </a:solidFill>
@@ -12429,7 +12622,7 @@
               </a:rPr>
               <a:t>SENCILLA.</a:t>
             </a:r>
-            <a:endParaRPr sz="1400" b="1">
+            <a:endParaRPr sz="1400" b="1" dirty="0">
               <a:solidFill>
                 <a:srgbClr val="FF9900"/>
               </a:solidFill>
@@ -12458,7 +12651,7 @@
               <a:buChar char="●"/>
             </a:pPr>
             <a:r>
-              <a:rPr lang="es-419" sz="1400" b="1">
+              <a:rPr lang="es-419" sz="1400" b="1" dirty="0">
                 <a:solidFill>
                   <a:srgbClr val="FF9900"/>
                 </a:solidFill>
@@ -12469,7 +12662,7 @@
               </a:rPr>
               <a:t>DEBE SER MUY DETALLADO!</a:t>
             </a:r>
-            <a:endParaRPr sz="1400" b="1">
+            <a:endParaRPr sz="1400" b="1" dirty="0">
               <a:solidFill>
                 <a:srgbClr val="FF9900"/>
               </a:solidFill>
@@ -12492,7 +12685,7 @@
               </a:spcAft>
               <a:buNone/>
             </a:pPr>
-            <a:endParaRPr sz="1400">
+            <a:endParaRPr sz="1400" dirty="0">
               <a:solidFill>
                 <a:srgbClr val="000000"/>
               </a:solidFill>
@@ -12515,7 +12708,7 @@
               </a:spcAft>
               <a:buNone/>
             </a:pPr>
-            <a:endParaRPr sz="1800" b="1">
+            <a:endParaRPr sz="1800" b="1" dirty="0">
               <a:solidFill>
                 <a:srgbClr val="000000"/>
               </a:solidFill>
@@ -12538,7 +12731,7 @@
               </a:spcAft>
               <a:buNone/>
             </a:pPr>
-            <a:endParaRPr sz="1800" b="1">
+            <a:endParaRPr sz="1800" b="1" dirty="0">
               <a:solidFill>
                 <a:srgbClr val="000000"/>
               </a:solidFill>
@@ -13860,7 +14053,7 @@
               <a:buNone/>
             </a:pPr>
             <a:r>
-              <a:rPr lang="es-419" sz="1800" b="1">
+              <a:rPr lang="es-419" sz="1800" b="1" dirty="0">
                 <a:solidFill>
                   <a:srgbClr val="000000"/>
                 </a:solidFill>
@@ -13871,7 +14064,7 @@
               </a:rPr>
               <a:t>ALGORITMOS - EJEMPLO 2</a:t>
             </a:r>
-            <a:endParaRPr sz="1400">
+            <a:endParaRPr sz="1400" dirty="0">
               <a:solidFill>
                 <a:srgbClr val="000000"/>
               </a:solidFill>
@@ -13895,7 +14088,7 @@
               <a:buNone/>
             </a:pPr>
             <a:r>
-              <a:rPr lang="es-419" sz="1400">
+              <a:rPr lang="es-419" sz="1400" dirty="0">
                 <a:solidFill>
                   <a:srgbClr val="000000"/>
                 </a:solidFill>
@@ -13906,7 +14099,7 @@
               </a:rPr>
               <a:t>¿QUE ES LA BILLETERA?</a:t>
             </a:r>
-            <a:endParaRPr sz="1400">
+            <a:endParaRPr sz="1400" dirty="0">
               <a:solidFill>
                 <a:srgbClr val="000000"/>
               </a:solidFill>
@@ -13929,7 +14122,7 @@
               </a:spcAft>
               <a:buNone/>
             </a:pPr>
-            <a:endParaRPr sz="1400">
+            <a:endParaRPr sz="1400" dirty="0">
               <a:solidFill>
                 <a:srgbClr val="000000"/>
               </a:solidFill>
@@ -13952,7 +14145,7 @@
               </a:spcAft>
               <a:buNone/>
             </a:pPr>
-            <a:endParaRPr sz="1400">
+            <a:endParaRPr sz="1400" dirty="0">
               <a:solidFill>
                 <a:srgbClr val="000000"/>
               </a:solidFill>
@@ -13981,7 +14174,7 @@
               <a:buAutoNum type="arabicPeriod"/>
             </a:pPr>
             <a:r>
-              <a:rPr lang="es-419" sz="1400">
+              <a:rPr lang="es-419" sz="1400" dirty="0">
                 <a:solidFill>
                   <a:srgbClr val="000000"/>
                 </a:solidFill>
@@ -13992,7 +14185,7 @@
               </a:rPr>
               <a:t>¿Un proceso?</a:t>
             </a:r>
-            <a:endParaRPr sz="1400">
+            <a:endParaRPr sz="1400" dirty="0">
               <a:solidFill>
                 <a:srgbClr val="000000"/>
               </a:solidFill>
@@ -14021,7 +14214,7 @@
               <a:buAutoNum type="arabicPeriod"/>
             </a:pPr>
             <a:r>
-              <a:rPr lang="es-419" sz="1400">
+              <a:rPr lang="es-419" sz="1400" dirty="0">
                 <a:solidFill>
                   <a:srgbClr val="000000"/>
                 </a:solidFill>
@@ -14032,7 +14225,7 @@
               </a:rPr>
               <a:t>¿Un lugar en donde guardo algo?</a:t>
             </a:r>
-            <a:endParaRPr sz="1400">
+            <a:endParaRPr sz="1400" dirty="0">
               <a:solidFill>
                 <a:srgbClr val="000000"/>
               </a:solidFill>
@@ -14061,7 +14254,7 @@
               <a:buAutoNum type="arabicPeriod"/>
             </a:pPr>
             <a:r>
-              <a:rPr lang="es-419" sz="1400">
+              <a:rPr lang="es-419" sz="1400" dirty="0">
                 <a:solidFill>
                   <a:srgbClr val="000000"/>
                 </a:solidFill>
@@ -14072,7 +14265,7 @@
               </a:rPr>
               <a:t>¿Algo que puede cambiar su contenido en el tiempo?</a:t>
             </a:r>
-            <a:endParaRPr sz="1400">
+            <a:endParaRPr sz="1400" dirty="0">
               <a:solidFill>
                 <a:srgbClr val="000000"/>
               </a:solidFill>
@@ -14101,7 +14294,7 @@
               <a:buAutoNum type="arabicPeriod"/>
             </a:pPr>
             <a:r>
-              <a:rPr lang="es-419" sz="1400">
+              <a:rPr lang="es-419" sz="1400" dirty="0">
                 <a:solidFill>
                   <a:srgbClr val="000000"/>
                 </a:solidFill>
@@ -14112,7 +14305,7 @@
               </a:rPr>
               <a:t>No se, me estoy durmiendo</a:t>
             </a:r>
-            <a:endParaRPr sz="1400">
+            <a:endParaRPr sz="1400" dirty="0">
               <a:solidFill>
                 <a:srgbClr val="000000"/>
               </a:solidFill>
@@ -14135,7 +14328,7 @@
               </a:spcAft>
               <a:buNone/>
             </a:pPr>
-            <a:endParaRPr sz="1400">
+            <a:endParaRPr sz="1400" dirty="0">
               <a:solidFill>
                 <a:srgbClr val="000000"/>
               </a:solidFill>
@@ -14158,7 +14351,7 @@
               </a:spcAft>
               <a:buNone/>
             </a:pPr>
-            <a:endParaRPr sz="1400">
+            <a:endParaRPr sz="1400" dirty="0">
               <a:solidFill>
                 <a:srgbClr val="000000"/>
               </a:solidFill>
@@ -14181,7 +14374,7 @@
               </a:spcAft>
               <a:buNone/>
             </a:pPr>
-            <a:endParaRPr sz="1400">
+            <a:endParaRPr sz="1400" dirty="0">
               <a:solidFill>
                 <a:srgbClr val="000000"/>
               </a:solidFill>
@@ -14204,7 +14397,7 @@
               </a:spcAft>
               <a:buNone/>
             </a:pPr>
-            <a:endParaRPr sz="1400">
+            <a:endParaRPr sz="1400" dirty="0">
               <a:solidFill>
                 <a:srgbClr val="000000"/>
               </a:solidFill>
@@ -14227,7 +14420,7 @@
               </a:spcAft>
               <a:buNone/>
             </a:pPr>
-            <a:endParaRPr sz="1800" b="1">
+            <a:endParaRPr sz="1800" b="1" dirty="0">
               <a:solidFill>
                 <a:srgbClr val="000000"/>
               </a:solidFill>
